--- a/00 - Python環境介紹.pptx
+++ b/00 - Python環境介紹.pptx
@@ -5,10 +5,10 @@
     <p:sldMasterId id="2147483648" r:id="rId1"/>
   </p:sldMasterIdLst>
   <p:notesMasterIdLst>
-    <p:notesMasterId r:id="rId27"/>
+    <p:notesMasterId r:id="rId28"/>
   </p:notesMasterIdLst>
   <p:handoutMasterIdLst>
-    <p:handoutMasterId r:id="rId28"/>
+    <p:handoutMasterId r:id="rId29"/>
   </p:handoutMasterIdLst>
   <p:sldIdLst>
     <p:sldId id="354" r:id="rId2"/>
@@ -35,7 +35,8 @@
     <p:sldId id="623" r:id="rId23"/>
     <p:sldId id="624" r:id="rId24"/>
     <p:sldId id="625" r:id="rId25"/>
-    <p:sldId id="626" r:id="rId26"/>
+    <p:sldId id="627" r:id="rId26"/>
+    <p:sldId id="626" r:id="rId27"/>
   </p:sldIdLst>
   <p:sldSz cx="9144000" cy="6858000" type="screen4x3"/>
   <p:notesSz cx="6858000" cy="9144000"/>
@@ -134,7 +135,7 @@
   </p:defaultTextStyle>
   <p:extLst>
     <p:ext uri="{EFAFB233-063F-42B5-8137-9DF3F51BA10A}">
-      <p15:sldGuideLst xmlns:p15="http://schemas.microsoft.com/office/powerpoint/2012/main" xmlns="">
+      <p15:sldGuideLst xmlns="" xmlns:p15="http://schemas.microsoft.com/office/powerpoint/2012/main">
         <p15:guide id="1" orient="horz" pos="2160">
           <p15:clr>
             <a:srgbClr val="A4A3A4"/>
@@ -148,7 +149,7 @@
       </p15:sldGuideLst>
     </p:ext>
     <p:ext uri="{2D200454-40CA-4A62-9FC3-DE9A4176ACB9}">
-      <p15:notesGuideLst xmlns:p15="http://schemas.microsoft.com/office/powerpoint/2012/main" xmlns=""/>
+      <p15:notesGuideLst xmlns="" xmlns:p15="http://schemas.microsoft.com/office/powerpoint/2012/main"/>
     </p:ext>
   </p:extLst>
 </p:presentation>
@@ -239,7 +240,7 @@
             <a:fld id="{68F88C59-319B-4332-9A1D-2A62CFCB00D8}" type="datetimeFigureOut">
               <a:rPr lang="en-US" smtClean="0"/>
               <a:pPr/>
-              <a:t>8/4/2019</a:t>
+              <a:t>8/8/2019</a:t>
             </a:fld>
             <a:endParaRPr lang="en-US" dirty="0"/>
           </a:p>
@@ -317,7 +318,7 @@
     </p:spTree>
     <p:extLst>
       <p:ext uri="{BB962C8B-B14F-4D97-AF65-F5344CB8AC3E}">
-        <p14:creationId xmlns:p14="http://schemas.microsoft.com/office/powerpoint/2010/main" xmlns="" val="2345123278"/>
+        <p14:creationId xmlns="" xmlns:p14="http://schemas.microsoft.com/office/powerpoint/2010/main" val="2345123278"/>
       </p:ext>
     </p:extLst>
   </p:cSld>
@@ -410,7 +411,7 @@
             <a:fld id="{968B300D-05F0-4B43-940D-46DED5A791AD}" type="datetimeFigureOut">
               <a:rPr lang="en-US" smtClean="0"/>
               <a:pPr/>
-              <a:t>8/4/2019</a:t>
+              <a:t>8/8/2019</a:t>
             </a:fld>
             <a:endParaRPr lang="en-US" dirty="0"/>
           </a:p>
@@ -582,7 +583,7 @@
     </p:spTree>
     <p:extLst>
       <p:ext uri="{BB962C8B-B14F-4D97-AF65-F5344CB8AC3E}">
-        <p14:creationId xmlns:p14="http://schemas.microsoft.com/office/powerpoint/2010/main" xmlns="" val="623787478"/>
+        <p14:creationId xmlns="" xmlns:p14="http://schemas.microsoft.com/office/powerpoint/2010/main" val="623787478"/>
       </p:ext>
     </p:extLst>
   </p:cSld>
@@ -760,7 +761,7 @@
     </p:spTree>
     <p:extLst>
       <p:ext uri="{BB962C8B-B14F-4D97-AF65-F5344CB8AC3E}">
-        <p14:creationId xmlns:p14="http://schemas.microsoft.com/office/powerpoint/2010/main" xmlns="" val="3750793346"/>
+        <p14:creationId xmlns="" xmlns:p14="http://schemas.microsoft.com/office/powerpoint/2010/main" val="3750793346"/>
       </p:ext>
     </p:extLst>
   </p:cSld>
@@ -845,7 +846,7 @@
     </p:spTree>
     <p:extLst>
       <p:ext uri="{BB962C8B-B14F-4D97-AF65-F5344CB8AC3E}">
-        <p14:creationId xmlns:p14="http://schemas.microsoft.com/office/powerpoint/2010/main" xmlns="" val="939565178"/>
+        <p14:creationId xmlns="" xmlns:p14="http://schemas.microsoft.com/office/powerpoint/2010/main" val="939565178"/>
       </p:ext>
     </p:extLst>
   </p:cSld>
@@ -930,7 +931,7 @@
     </p:spTree>
     <p:extLst>
       <p:ext uri="{BB962C8B-B14F-4D97-AF65-F5344CB8AC3E}">
-        <p14:creationId xmlns:p14="http://schemas.microsoft.com/office/powerpoint/2010/main" xmlns="" val="2659555247"/>
+        <p14:creationId xmlns="" xmlns:p14="http://schemas.microsoft.com/office/powerpoint/2010/main" val="2659555247"/>
       </p:ext>
     </p:extLst>
   </p:cSld>
@@ -1015,7 +1016,7 @@
     </p:spTree>
     <p:extLst>
       <p:ext uri="{BB962C8B-B14F-4D97-AF65-F5344CB8AC3E}">
-        <p14:creationId xmlns:p14="http://schemas.microsoft.com/office/powerpoint/2010/main" xmlns="" val="939565178"/>
+        <p14:creationId xmlns="" xmlns:p14="http://schemas.microsoft.com/office/powerpoint/2010/main" val="939565178"/>
       </p:ext>
     </p:extLst>
   </p:cSld>
@@ -1100,7 +1101,7 @@
     </p:spTree>
     <p:extLst>
       <p:ext uri="{BB962C8B-B14F-4D97-AF65-F5344CB8AC3E}">
-        <p14:creationId xmlns:p14="http://schemas.microsoft.com/office/powerpoint/2010/main" xmlns="" val="2659555247"/>
+        <p14:creationId xmlns="" xmlns:p14="http://schemas.microsoft.com/office/powerpoint/2010/main" val="2659555247"/>
       </p:ext>
     </p:extLst>
   </p:cSld>
@@ -1185,7 +1186,7 @@
     </p:spTree>
     <p:extLst>
       <p:ext uri="{BB962C8B-B14F-4D97-AF65-F5344CB8AC3E}">
-        <p14:creationId xmlns:p14="http://schemas.microsoft.com/office/powerpoint/2010/main" xmlns="" val="2659555247"/>
+        <p14:creationId xmlns="" xmlns:p14="http://schemas.microsoft.com/office/powerpoint/2010/main" val="2659555247"/>
       </p:ext>
     </p:extLst>
   </p:cSld>
@@ -1270,7 +1271,7 @@
     </p:spTree>
     <p:extLst>
       <p:ext uri="{BB962C8B-B14F-4D97-AF65-F5344CB8AC3E}">
-        <p14:creationId xmlns:p14="http://schemas.microsoft.com/office/powerpoint/2010/main" xmlns="" val="2659555247"/>
+        <p14:creationId xmlns="" xmlns:p14="http://schemas.microsoft.com/office/powerpoint/2010/main" val="2659555247"/>
       </p:ext>
     </p:extLst>
   </p:cSld>
@@ -1355,7 +1356,7 @@
     </p:spTree>
     <p:extLst>
       <p:ext uri="{BB962C8B-B14F-4D97-AF65-F5344CB8AC3E}">
-        <p14:creationId xmlns:p14="http://schemas.microsoft.com/office/powerpoint/2010/main" xmlns="" val="2659555247"/>
+        <p14:creationId xmlns="" xmlns:p14="http://schemas.microsoft.com/office/powerpoint/2010/main" val="2659555247"/>
       </p:ext>
     </p:extLst>
   </p:cSld>
@@ -1440,7 +1441,7 @@
     </p:spTree>
     <p:extLst>
       <p:ext uri="{BB962C8B-B14F-4D97-AF65-F5344CB8AC3E}">
-        <p14:creationId xmlns:p14="http://schemas.microsoft.com/office/powerpoint/2010/main" xmlns="" val="2659555247"/>
+        <p14:creationId xmlns="" xmlns:p14="http://schemas.microsoft.com/office/powerpoint/2010/main" val="2659555247"/>
       </p:ext>
     </p:extLst>
   </p:cSld>
@@ -1525,7 +1526,7 @@
     </p:spTree>
     <p:extLst>
       <p:ext uri="{BB962C8B-B14F-4D97-AF65-F5344CB8AC3E}">
-        <p14:creationId xmlns:p14="http://schemas.microsoft.com/office/powerpoint/2010/main" xmlns="" val="2659555247"/>
+        <p14:creationId xmlns="" xmlns:p14="http://schemas.microsoft.com/office/powerpoint/2010/main" val="2659555247"/>
       </p:ext>
     </p:extLst>
   </p:cSld>
@@ -1610,7 +1611,7 @@
     </p:spTree>
     <p:extLst>
       <p:ext uri="{BB962C8B-B14F-4D97-AF65-F5344CB8AC3E}">
-        <p14:creationId xmlns:p14="http://schemas.microsoft.com/office/powerpoint/2010/main" xmlns="" val="2659555247"/>
+        <p14:creationId xmlns="" xmlns:p14="http://schemas.microsoft.com/office/powerpoint/2010/main" val="2659555247"/>
       </p:ext>
     </p:extLst>
   </p:cSld>
@@ -1695,7 +1696,7 @@
     </p:spTree>
     <p:extLst>
       <p:ext uri="{BB962C8B-B14F-4D97-AF65-F5344CB8AC3E}">
-        <p14:creationId xmlns:p14="http://schemas.microsoft.com/office/powerpoint/2010/main" xmlns="" val="939565178"/>
+        <p14:creationId xmlns="" xmlns:p14="http://schemas.microsoft.com/office/powerpoint/2010/main" val="939565178"/>
       </p:ext>
     </p:extLst>
   </p:cSld>
@@ -1780,7 +1781,7 @@
     </p:spTree>
     <p:extLst>
       <p:ext uri="{BB962C8B-B14F-4D97-AF65-F5344CB8AC3E}">
-        <p14:creationId xmlns:p14="http://schemas.microsoft.com/office/powerpoint/2010/main" xmlns="" val="2659555247"/>
+        <p14:creationId xmlns="" xmlns:p14="http://schemas.microsoft.com/office/powerpoint/2010/main" val="2659555247"/>
       </p:ext>
     </p:extLst>
   </p:cSld>
@@ -1865,7 +1866,7 @@
     </p:spTree>
     <p:extLst>
       <p:ext uri="{BB962C8B-B14F-4D97-AF65-F5344CB8AC3E}">
-        <p14:creationId xmlns:p14="http://schemas.microsoft.com/office/powerpoint/2010/main" xmlns="" val="939565178"/>
+        <p14:creationId xmlns="" xmlns:p14="http://schemas.microsoft.com/office/powerpoint/2010/main" val="939565178"/>
       </p:ext>
     </p:extLst>
   </p:cSld>
@@ -1950,7 +1951,92 @@
     </p:spTree>
     <p:extLst>
       <p:ext uri="{BB962C8B-B14F-4D97-AF65-F5344CB8AC3E}">
-        <p14:creationId xmlns:p14="http://schemas.microsoft.com/office/powerpoint/2010/main" xmlns="" val="2659555247"/>
+        <p14:creationId xmlns="" xmlns:p14="http://schemas.microsoft.com/office/powerpoint/2010/main" val="2659555247"/>
+      </p:ext>
+    </p:extLst>
+  </p:cSld>
+  <p:clrMapOvr>
+    <a:masterClrMapping/>
+  </p:clrMapOvr>
+</p:notes>
+</file>
+
+<file path=ppt/notesSlides/notesSlide23.xml><?xml version="1.0" encoding="utf-8"?>
+<p:notes xmlns:a="http://schemas.openxmlformats.org/drawingml/2006/main" xmlns:r="http://schemas.openxmlformats.org/officeDocument/2006/relationships" xmlns:p="http://schemas.openxmlformats.org/presentationml/2006/main">
+  <p:cSld>
+    <p:spTree>
+      <p:nvGrpSpPr>
+        <p:cNvPr id="1" name=""/>
+        <p:cNvGrpSpPr/>
+        <p:nvPr/>
+      </p:nvGrpSpPr>
+      <p:grpSpPr>
+        <a:xfrm>
+          <a:off x="0" y="0"/>
+          <a:ext cx="0" cy="0"/>
+          <a:chOff x="0" y="0"/>
+          <a:chExt cx="0" cy="0"/>
+        </a:xfrm>
+      </p:grpSpPr>
+      <p:sp>
+        <p:nvSpPr>
+          <p:cNvPr id="2" name="投影片圖像版面配置區 1"/>
+          <p:cNvSpPr>
+            <a:spLocks noGrp="1" noRot="1" noChangeAspect="1"/>
+          </p:cNvSpPr>
+          <p:nvPr>
+            <p:ph type="sldImg"/>
+          </p:nvPr>
+        </p:nvSpPr>
+        <p:spPr/>
+      </p:sp>
+      <p:sp>
+        <p:nvSpPr>
+          <p:cNvPr id="3" name="備忘稿版面配置區 2"/>
+          <p:cNvSpPr>
+            <a:spLocks noGrp="1"/>
+          </p:cNvSpPr>
+          <p:nvPr>
+            <p:ph type="body" idx="1"/>
+          </p:nvPr>
+        </p:nvSpPr>
+        <p:spPr/>
+        <p:txBody>
+          <a:bodyPr/>
+          <a:lstStyle/>
+          <a:p>
+            <a:endParaRPr lang="zh-TW" altLang="en-US" dirty="0"/>
+          </a:p>
+        </p:txBody>
+      </p:sp>
+      <p:sp>
+        <p:nvSpPr>
+          <p:cNvPr id="4" name="投影片編號版面配置區 3"/>
+          <p:cNvSpPr>
+            <a:spLocks noGrp="1"/>
+          </p:cNvSpPr>
+          <p:nvPr>
+            <p:ph type="sldNum" sz="quarter" idx="10"/>
+          </p:nvPr>
+        </p:nvSpPr>
+        <p:spPr/>
+        <p:txBody>
+          <a:bodyPr/>
+          <a:lstStyle/>
+          <a:p>
+            <a:fld id="{9B26CD33-4337-4529-948A-94F6960B2374}" type="slidenum">
+              <a:rPr lang="en-US" smtClean="0"/>
+              <a:pPr/>
+              <a:t>25</a:t>
+            </a:fld>
+            <a:endParaRPr lang="en-US" dirty="0"/>
+          </a:p>
+        </p:txBody>
+      </p:sp>
+    </p:spTree>
+    <p:extLst>
+      <p:ext uri="{BB962C8B-B14F-4D97-AF65-F5344CB8AC3E}">
+        <p14:creationId xmlns="" xmlns:p14="http://schemas.microsoft.com/office/powerpoint/2010/main" val="2659555247"/>
       </p:ext>
     </p:extLst>
   </p:cSld>
@@ -2035,7 +2121,7 @@
     </p:spTree>
     <p:extLst>
       <p:ext uri="{BB962C8B-B14F-4D97-AF65-F5344CB8AC3E}">
-        <p14:creationId xmlns:p14="http://schemas.microsoft.com/office/powerpoint/2010/main" xmlns="" val="2659555247"/>
+        <p14:creationId xmlns="" xmlns:p14="http://schemas.microsoft.com/office/powerpoint/2010/main" val="2659555247"/>
       </p:ext>
     </p:extLst>
   </p:cSld>
@@ -2120,7 +2206,7 @@
     </p:spTree>
     <p:extLst>
       <p:ext uri="{BB962C8B-B14F-4D97-AF65-F5344CB8AC3E}">
-        <p14:creationId xmlns:p14="http://schemas.microsoft.com/office/powerpoint/2010/main" xmlns="" val="2659555247"/>
+        <p14:creationId xmlns="" xmlns:p14="http://schemas.microsoft.com/office/powerpoint/2010/main" val="2659555247"/>
       </p:ext>
     </p:extLst>
   </p:cSld>
@@ -2205,7 +2291,7 @@
     </p:spTree>
     <p:extLst>
       <p:ext uri="{BB962C8B-B14F-4D97-AF65-F5344CB8AC3E}">
-        <p14:creationId xmlns:p14="http://schemas.microsoft.com/office/powerpoint/2010/main" xmlns="" val="2659555247"/>
+        <p14:creationId xmlns="" xmlns:p14="http://schemas.microsoft.com/office/powerpoint/2010/main" val="2659555247"/>
       </p:ext>
     </p:extLst>
   </p:cSld>
@@ -2290,7 +2376,7 @@
     </p:spTree>
     <p:extLst>
       <p:ext uri="{BB962C8B-B14F-4D97-AF65-F5344CB8AC3E}">
-        <p14:creationId xmlns:p14="http://schemas.microsoft.com/office/powerpoint/2010/main" xmlns="" val="2659555247"/>
+        <p14:creationId xmlns="" xmlns:p14="http://schemas.microsoft.com/office/powerpoint/2010/main" val="2659555247"/>
       </p:ext>
     </p:extLst>
   </p:cSld>
@@ -2375,7 +2461,7 @@
     </p:spTree>
     <p:extLst>
       <p:ext uri="{BB962C8B-B14F-4D97-AF65-F5344CB8AC3E}">
-        <p14:creationId xmlns:p14="http://schemas.microsoft.com/office/powerpoint/2010/main" xmlns="" val="2659555247"/>
+        <p14:creationId xmlns="" xmlns:p14="http://schemas.microsoft.com/office/powerpoint/2010/main" val="2659555247"/>
       </p:ext>
     </p:extLst>
   </p:cSld>
@@ -2460,7 +2546,7 @@
     </p:spTree>
     <p:extLst>
       <p:ext uri="{BB962C8B-B14F-4D97-AF65-F5344CB8AC3E}">
-        <p14:creationId xmlns:p14="http://schemas.microsoft.com/office/powerpoint/2010/main" xmlns="" val="939565178"/>
+        <p14:creationId xmlns="" xmlns:p14="http://schemas.microsoft.com/office/powerpoint/2010/main" val="939565178"/>
       </p:ext>
     </p:extLst>
   </p:cSld>
@@ -2545,7 +2631,7 @@
     </p:spTree>
     <p:extLst>
       <p:ext uri="{BB962C8B-B14F-4D97-AF65-F5344CB8AC3E}">
-        <p14:creationId xmlns:p14="http://schemas.microsoft.com/office/powerpoint/2010/main" xmlns="" val="2659555247"/>
+        <p14:creationId xmlns="" xmlns:p14="http://schemas.microsoft.com/office/powerpoint/2010/main" val="2659555247"/>
       </p:ext>
     </p:extLst>
   </p:cSld>
@@ -2863,7 +2949,7 @@
                 </a:solidFill>
               </a:rPr>
               <a:pPr/>
-              <a:t>8/4/2019</a:t>
+              <a:t>8/8/2019</a:t>
             </a:fld>
             <a:endParaRPr kumimoji="0" lang="en-US" dirty="0"/>
           </a:p>
@@ -3254,7 +3340,7 @@
                 </a:solidFill>
               </a:rPr>
               <a:pPr/>
-              <a:t>8/4/2019</a:t>
+              <a:t>8/8/2019</a:t>
             </a:fld>
             <a:endParaRPr kumimoji="0" lang="en-US" dirty="0"/>
           </a:p>
@@ -3589,7 +3675,7 @@
                 </a:solidFill>
               </a:rPr>
               <a:pPr/>
-              <a:t>8/4/2019</a:t>
+              <a:t>8/8/2019</a:t>
             </a:fld>
             <a:endParaRPr kumimoji="0" lang="en-US" dirty="0"/>
           </a:p>
@@ -4165,7 +4251,7 @@
                 </a:solidFill>
               </a:rPr>
               <a:pPr/>
-              <a:t>8/4/2019</a:t>
+              <a:t>8/8/2019</a:t>
             </a:fld>
             <a:endParaRPr kumimoji="0" lang="en-US" dirty="0"/>
           </a:p>
@@ -4729,7 +4815,7 @@
                 </a:solidFill>
               </a:rPr>
               <a:pPr/>
-              <a:t>8/4/2019</a:t>
+              <a:t>8/8/2019</a:t>
             </a:fld>
             <a:endParaRPr kumimoji="0" lang="en-US" dirty="0"/>
           </a:p>
@@ -5188,7 +5274,7 @@
                 </a:solidFill>
               </a:rPr>
               <a:pPr/>
-              <a:t>8/4/2019</a:t>
+              <a:t>8/8/2019</a:t>
             </a:fld>
             <a:endParaRPr kumimoji="0" lang="en-US" dirty="0"/>
           </a:p>
@@ -5612,7 +5698,7 @@
                 </a:solidFill>
               </a:rPr>
               <a:pPr/>
-              <a:t>8/4/2019</a:t>
+              <a:t>8/8/2019</a:t>
             </a:fld>
             <a:endParaRPr kumimoji="0" lang="en-US" dirty="0"/>
           </a:p>
@@ -6116,7 +6202,7 @@
                 </a:solidFill>
               </a:rPr>
               <a:pPr/>
-              <a:t>8/4/2019</a:t>
+              <a:t>8/8/2019</a:t>
             </a:fld>
             <a:endParaRPr kumimoji="0" lang="en-US" dirty="0"/>
           </a:p>
@@ -6620,7 +6706,7 @@
                 </a:solidFill>
               </a:rPr>
               <a:pPr/>
-              <a:t>8/4/2019</a:t>
+              <a:t>8/8/2019</a:t>
             </a:fld>
             <a:endParaRPr kumimoji="0" lang="en-US" dirty="0"/>
           </a:p>
@@ -6836,7 +6922,7 @@
                 </a:solidFill>
               </a:rPr>
               <a:pPr/>
-              <a:t>8/4/2019</a:t>
+              <a:t>8/8/2019</a:t>
             </a:fld>
             <a:endParaRPr kumimoji="0" lang="en-US" dirty="0"/>
           </a:p>
@@ -7164,7 +7250,7 @@
                 </a:solidFill>
               </a:rPr>
               <a:pPr/>
-              <a:t>8/4/2019</a:t>
+              <a:t>8/8/2019</a:t>
             </a:fld>
             <a:endParaRPr kumimoji="0" lang="en-US" dirty="0"/>
           </a:p>
@@ -7390,7 +7476,7 @@
                 </a:solidFill>
               </a:rPr>
               <a:pPr/>
-              <a:t>8/4/2019</a:t>
+              <a:t>8/8/2019</a:t>
             </a:fld>
             <a:endParaRPr kumimoji="0" lang="en-US" dirty="0"/>
           </a:p>
@@ -7609,7 +7695,7 @@
                 </a:solidFill>
               </a:rPr>
               <a:pPr/>
-              <a:t>8/4/2019</a:t>
+              <a:t>8/8/2019</a:t>
             </a:fld>
             <a:endParaRPr kumimoji="0" lang="en-US" dirty="0"/>
           </a:p>
@@ -7785,7 +7871,7 @@
             <a:fld id="{ACB2EC6F-6501-4E04-BD6C-A8A6CABB2C5B}" type="datetimeFigureOut">
               <a:rPr kumimoji="0" lang="en-US" smtClean="0"/>
               <a:pPr/>
-              <a:t>8/4/2019</a:t>
+              <a:t>8/8/2019</a:t>
             </a:fld>
             <a:endParaRPr kumimoji="0" lang="en-US" dirty="0"/>
           </a:p>
@@ -8030,7 +8116,7 @@
                 </a:solidFill>
               </a:rPr>
               <a:pPr/>
-              <a:t>8/4/2019</a:t>
+              <a:t>8/8/2019</a:t>
             </a:fld>
             <a:endParaRPr kumimoji="0" lang="en-US" dirty="0"/>
           </a:p>
@@ -8502,7 +8588,7 @@
                 </a:solidFill>
               </a:rPr>
               <a:pPr/>
-              <a:t>8/4/2019</a:t>
+              <a:t>8/8/2019</a:t>
             </a:fld>
             <a:endParaRPr kumimoji="0" lang="en-US" dirty="0"/>
           </a:p>
@@ -8854,7 +8940,7 @@
                 </a:solidFill>
               </a:rPr>
               <a:pPr/>
-              <a:t>8/4/2019</a:t>
+              <a:t>8/8/2019</a:t>
             </a:fld>
             <a:endParaRPr kumimoji="0" lang="en-US" dirty="0"/>
           </a:p>
@@ -9212,7 +9298,7 @@
                 </a:solidFill>
               </a:rPr>
               <a:pPr/>
-              <a:t>8/4/2019</a:t>
+              <a:t>8/8/2019</a:t>
             </a:fld>
             <a:endParaRPr kumimoji="0" lang="en-US" dirty="0"/>
           </a:p>
@@ -9517,7 +9603,7 @@
                 </a:solidFill>
               </a:rPr>
               <a:pPr/>
-              <a:t>8/4/2019</a:t>
+              <a:t>8/8/2019</a:t>
             </a:fld>
             <a:endParaRPr kumimoji="0" lang="en-US" dirty="0"/>
           </a:p>
@@ -9993,7 +10079,7 @@
                 </a:solidFill>
               </a:rPr>
               <a:pPr/>
-              <a:t>8/4/2019</a:t>
+              <a:t>8/8/2019</a:t>
             </a:fld>
             <a:endParaRPr kumimoji="0" lang="en-US" dirty="0"/>
           </a:p>
@@ -10230,7 +10316,7 @@
                 </a:solidFill>
               </a:rPr>
               <a:pPr/>
-              <a:t>8/4/2019</a:t>
+              <a:t>8/8/2019</a:t>
             </a:fld>
             <a:endParaRPr kumimoji="0" lang="en-US" sz="1200" dirty="0">
               <a:solidFill>
@@ -10756,7 +10842,7 @@
     </p:spTree>
     <p:extLst>
       <p:ext uri="{BB962C8B-B14F-4D97-AF65-F5344CB8AC3E}">
-        <p14:creationId xmlns:p14="http://schemas.microsoft.com/office/powerpoint/2010/main" xmlns="" val="2461702271"/>
+        <p14:creationId xmlns="" xmlns:p14="http://schemas.microsoft.com/office/powerpoint/2010/main" val="2461702271"/>
       </p:ext>
     </p:extLst>
   </p:cSld>
@@ -10868,7 +10954,7 @@
     </p:spTree>
     <p:extLst>
       <p:ext uri="{BB962C8B-B14F-4D97-AF65-F5344CB8AC3E}">
-        <p14:creationId xmlns:p14="http://schemas.microsoft.com/office/powerpoint/2010/main" xmlns="" val="3907764274"/>
+        <p14:creationId xmlns="" xmlns:p14="http://schemas.microsoft.com/office/powerpoint/2010/main" val="3907764274"/>
       </p:ext>
     </p:extLst>
   </p:cSld>
@@ -11159,22 +11245,7 @@
                 <a:ea typeface="微軟正黑體" panose="020B0604030504040204" pitchFamily="34" charset="-120"/>
                 <a:cs typeface="Heiti TC Light"/>
               </a:rPr>
-              <a:t>也裝起來</a:t>
-            </a:r>
-            <a:r>
-              <a:rPr kumimoji="1" lang="zh-TW" altLang="en-US" sz="3200" b="1" dirty="0" smtClean="0">
-                <a:effectLst>
-                  <a:outerShdw blurRad="38100" dist="38100" dir="2700000" algn="tl">
-                    <a:srgbClr val="000000">
-                      <a:alpha val="43137"/>
-                    </a:srgbClr>
-                  </a:outerShdw>
-                </a:effectLst>
-                <a:latin typeface="微軟正黑體" panose="020B0604030504040204" pitchFamily="34" charset="-120"/>
-                <a:ea typeface="微軟正黑體" panose="020B0604030504040204" pitchFamily="34" charset="-120"/>
-                <a:cs typeface="Heiti TC Light"/>
-              </a:rPr>
-              <a:t>。</a:t>
+              <a:t>也裝起來。</a:t>
             </a:r>
             <a:endParaRPr kumimoji="1" lang="en-US" altLang="zh-TW" sz="3200" b="1" dirty="0" smtClean="0">
               <a:effectLst>
@@ -11222,22 +11293,7 @@
                 <a:ea typeface="微軟正黑體" panose="020B0604030504040204" pitchFamily="34" charset="-120"/>
                 <a:cs typeface="Heiti TC Light"/>
               </a:rPr>
-              <a:t>執行就可直接安裝，就可以使用了</a:t>
-            </a:r>
-            <a:r>
-              <a:rPr kumimoji="1" lang="zh-TW" altLang="en-US" sz="3200" b="1" dirty="0" smtClean="0">
-                <a:effectLst>
-                  <a:outerShdw blurRad="38100" dist="38100" dir="2700000" algn="tl">
-                    <a:srgbClr val="000000">
-                      <a:alpha val="43137"/>
-                    </a:srgbClr>
-                  </a:outerShdw>
-                </a:effectLst>
-                <a:latin typeface="微軟正黑體" panose="020B0604030504040204" pitchFamily="34" charset="-120"/>
-                <a:ea typeface="微軟正黑體" panose="020B0604030504040204" pitchFamily="34" charset="-120"/>
-                <a:cs typeface="Heiti TC Light"/>
-              </a:rPr>
-              <a:t>。</a:t>
+              <a:t>執行就可直接安裝，就可以使用了。</a:t>
             </a:r>
             <a:endParaRPr kumimoji="1" lang="en-US" altLang="zh-TW" sz="3200" b="1" dirty="0" smtClean="0">
               <a:effectLst>
@@ -11386,7 +11442,7 @@
     </p:spTree>
     <p:extLst>
       <p:ext uri="{BB962C8B-B14F-4D97-AF65-F5344CB8AC3E}">
-        <p14:creationId xmlns:p14="http://schemas.microsoft.com/office/powerpoint/2010/main" xmlns="" val="522405798"/>
+        <p14:creationId xmlns="" xmlns:p14="http://schemas.microsoft.com/office/powerpoint/2010/main" val="522405798"/>
       </p:ext>
     </p:extLst>
   </p:cSld>
@@ -11469,39 +11525,8 @@
                 <a:latin typeface="微軟正黑體" panose="020B0604030504040204" pitchFamily="34" charset="-120"/>
                 <a:ea typeface="微軟正黑體" panose="020B0604030504040204" pitchFamily="34" charset="-120"/>
               </a:rPr>
-              <a:t> </a:t>
-            </a:r>
-            <a:r>
-              <a:rPr lang="en-US" altLang="zh-TW" sz="4800" b="1" dirty="0" smtClean="0">
-                <a:solidFill>
-                  <a:srgbClr val="00B0F0"/>
-                </a:solidFill>
-                <a:effectLst>
-                  <a:outerShdw blurRad="38100" dist="38100" dir="2700000" algn="tl">
-                    <a:srgbClr val="000000">
-                      <a:alpha val="43137"/>
-                    </a:srgbClr>
-                  </a:outerShdw>
-                </a:effectLst>
-                <a:latin typeface="微軟正黑體" panose="020B0604030504040204" pitchFamily="34" charset="-120"/>
-                <a:ea typeface="微軟正黑體" panose="020B0604030504040204" pitchFamily="34" charset="-120"/>
-              </a:rPr>
-              <a:t>notebook/lab</a:t>
-            </a:r>
-            <a:endParaRPr lang="en-US" altLang="zh-TW" sz="4800" b="1" dirty="0" smtClean="0">
-              <a:solidFill>
-                <a:srgbClr val="00B0F0"/>
-              </a:solidFill>
-              <a:effectLst>
-                <a:outerShdw blurRad="38100" dist="38100" dir="2700000" algn="tl">
-                  <a:srgbClr val="000000">
-                    <a:alpha val="43137"/>
-                  </a:srgbClr>
-                </a:outerShdw>
-              </a:effectLst>
-              <a:latin typeface="微軟正黑體" panose="020B0604030504040204" pitchFamily="34" charset="-120"/>
-              <a:ea typeface="微軟正黑體" panose="020B0604030504040204" pitchFamily="34" charset="-120"/>
-            </a:endParaRPr>
+              <a:t> notebook/lab</a:t>
+            </a:r>
           </a:p>
           <a:p>
             <a:pPr algn="just"/>
@@ -11542,7 +11567,7 @@
     </p:spTree>
     <p:extLst>
       <p:ext uri="{BB962C8B-B14F-4D97-AF65-F5344CB8AC3E}">
-        <p14:creationId xmlns:p14="http://schemas.microsoft.com/office/powerpoint/2010/main" xmlns="" val="3907764274"/>
+        <p14:creationId xmlns="" xmlns:p14="http://schemas.microsoft.com/office/powerpoint/2010/main" val="3907764274"/>
       </p:ext>
     </p:extLst>
   </p:cSld>
@@ -12000,7 +12025,7 @@
     </p:spTree>
     <p:extLst>
       <p:ext uri="{BB962C8B-B14F-4D97-AF65-F5344CB8AC3E}">
-        <p14:creationId xmlns:p14="http://schemas.microsoft.com/office/powerpoint/2010/main" xmlns="" val="522405798"/>
+        <p14:creationId xmlns="" xmlns:p14="http://schemas.microsoft.com/office/powerpoint/2010/main" val="522405798"/>
       </p:ext>
     </p:extLst>
   </p:cSld>
@@ -12065,7 +12090,7 @@
     </p:spTree>
     <p:extLst>
       <p:ext uri="{BB962C8B-B14F-4D97-AF65-F5344CB8AC3E}">
-        <p14:creationId xmlns:p14="http://schemas.microsoft.com/office/powerpoint/2010/main" xmlns="" val="522405798"/>
+        <p14:creationId xmlns="" xmlns:p14="http://schemas.microsoft.com/office/powerpoint/2010/main" val="522405798"/>
       </p:ext>
     </p:extLst>
   </p:cSld>
@@ -12348,7 +12373,7 @@
     </p:spTree>
     <p:extLst>
       <p:ext uri="{BB962C8B-B14F-4D97-AF65-F5344CB8AC3E}">
-        <p14:creationId xmlns:p14="http://schemas.microsoft.com/office/powerpoint/2010/main" xmlns="" val="522405798"/>
+        <p14:creationId xmlns="" xmlns:p14="http://schemas.microsoft.com/office/powerpoint/2010/main" val="522405798"/>
       </p:ext>
     </p:extLst>
   </p:cSld>
@@ -12631,7 +12656,7 @@
     </p:spTree>
     <p:extLst>
       <p:ext uri="{BB962C8B-B14F-4D97-AF65-F5344CB8AC3E}">
-        <p14:creationId xmlns:p14="http://schemas.microsoft.com/office/powerpoint/2010/main" xmlns="" val="522405798"/>
+        <p14:creationId xmlns="" xmlns:p14="http://schemas.microsoft.com/office/powerpoint/2010/main" val="522405798"/>
       </p:ext>
     </p:extLst>
   </p:cSld>
@@ -12855,6 +12880,72 @@
               </a:rPr>
               <a:t>notebook</a:t>
             </a:r>
+          </a:p>
+          <a:p>
+            <a:pPr marL="176213" indent="-176213">
+              <a:buFont typeface="Arial" panose="020B0604020202020204" pitchFamily="34" charset="0"/>
+              <a:buChar char="•"/>
+            </a:pPr>
+            <a:r>
+              <a:rPr kumimoji="1" lang="zh-TW" altLang="en-US" sz="4000" b="1" dirty="0" smtClean="0">
+                <a:effectLst>
+                  <a:outerShdw blurRad="38100" dist="38100" dir="2700000" algn="tl">
+                    <a:srgbClr val="000000">
+                      <a:alpha val="43137"/>
+                    </a:srgbClr>
+                  </a:outerShdw>
+                </a:effectLst>
+                <a:latin typeface="微軟正黑體" panose="020B0604030504040204" pitchFamily="34" charset="-120"/>
+                <a:ea typeface="微軟正黑體" panose="020B0604030504040204" pitchFamily="34" charset="-120"/>
+                <a:cs typeface="Heiti TC Light"/>
+              </a:rPr>
+              <a:t>比</a:t>
+            </a:r>
+            <a:r>
+              <a:rPr kumimoji="1" lang="en-US" altLang="zh-TW" sz="4000" b="1" dirty="0" err="1" smtClean="0">
+                <a:effectLst>
+                  <a:outerShdw blurRad="38100" dist="38100" dir="2700000" algn="tl">
+                    <a:srgbClr val="000000">
+                      <a:alpha val="43137"/>
+                    </a:srgbClr>
+                  </a:outerShdw>
+                </a:effectLst>
+                <a:latin typeface="微軟正黑體" panose="020B0604030504040204" pitchFamily="34" charset="-120"/>
+                <a:ea typeface="微軟正黑體" panose="020B0604030504040204" pitchFamily="34" charset="-120"/>
+                <a:cs typeface="Heiti TC Light"/>
+              </a:rPr>
+              <a:t>Jupyter</a:t>
+            </a:r>
+            <a:r>
+              <a:rPr kumimoji="1" lang="en-US" altLang="zh-TW" sz="4000" b="1" dirty="0" smtClean="0">
+                <a:effectLst>
+                  <a:outerShdw blurRad="38100" dist="38100" dir="2700000" algn="tl">
+                    <a:srgbClr val="000000">
+                      <a:alpha val="43137"/>
+                    </a:srgbClr>
+                  </a:outerShdw>
+                </a:effectLst>
+                <a:latin typeface="微軟正黑體" panose="020B0604030504040204" pitchFamily="34" charset="-120"/>
+                <a:ea typeface="微軟正黑體" panose="020B0604030504040204" pitchFamily="34" charset="-120"/>
+                <a:cs typeface="Heiti TC Light"/>
+              </a:rPr>
+              <a:t> Notebook</a:t>
+            </a:r>
+            <a:r>
+              <a:rPr kumimoji="1" lang="zh-TW" altLang="en-US" sz="4000" b="1" dirty="0" smtClean="0">
+                <a:effectLst>
+                  <a:outerShdw blurRad="38100" dist="38100" dir="2700000" algn="tl">
+                    <a:srgbClr val="000000">
+                      <a:alpha val="43137"/>
+                    </a:srgbClr>
+                  </a:outerShdw>
+                </a:effectLst>
+                <a:latin typeface="微軟正黑體" panose="020B0604030504040204" pitchFamily="34" charset="-120"/>
+                <a:ea typeface="微軟正黑體" panose="020B0604030504040204" pitchFamily="34" charset="-120"/>
+                <a:cs typeface="Heiti TC Light"/>
+              </a:rPr>
+              <a:t>還強大</a:t>
+            </a:r>
             <a:endParaRPr kumimoji="1" lang="en-US" altLang="zh-TW" sz="4000" b="1" dirty="0" smtClean="0">
               <a:effectLst>
                 <a:outerShdw blurRad="38100" dist="38100" dir="2700000" algn="tl">
@@ -12874,7 +12965,7 @@
               <a:buChar char="•"/>
             </a:pPr>
             <a:r>
-              <a:rPr kumimoji="1" lang="zh-TW" altLang="en-US" sz="4000" b="1" dirty="0" smtClean="0">
+              <a:rPr kumimoji="1" lang="en-US" altLang="zh-TW" sz="4000" b="1" dirty="0" smtClean="0">
                 <a:effectLst>
                   <a:outerShdw blurRad="38100" dist="38100" dir="2700000" algn="tl">
                     <a:srgbClr val="000000">
@@ -12886,10 +12977,10 @@
                 <a:ea typeface="微軟正黑體" panose="020B0604030504040204" pitchFamily="34" charset="-120"/>
                 <a:cs typeface="Heiti TC Light"/>
               </a:rPr>
-              <a:t>比</a:t>
-            </a:r>
-            <a:r>
-              <a:rPr kumimoji="1" lang="en-US" altLang="zh-TW" sz="4000" b="1" dirty="0" err="1" smtClean="0">
+              <a:t>Launcher</a:t>
+            </a:r>
+            <a:r>
+              <a:rPr kumimoji="1" lang="zh-TW" altLang="en-US" sz="4000" b="1" dirty="0" smtClean="0">
                 <a:effectLst>
                   <a:outerShdw blurRad="38100" dist="38100" dir="2700000" algn="tl">
                     <a:srgbClr val="000000">
@@ -12901,37 +12992,7 @@
                 <a:ea typeface="微軟正黑體" panose="020B0604030504040204" pitchFamily="34" charset="-120"/>
                 <a:cs typeface="Heiti TC Light"/>
               </a:rPr>
-              <a:t>Jupyter</a:t>
-            </a:r>
-            <a:r>
-              <a:rPr kumimoji="1" lang="en-US" altLang="zh-TW" sz="4000" b="1" dirty="0" smtClean="0">
-                <a:effectLst>
-                  <a:outerShdw blurRad="38100" dist="38100" dir="2700000" algn="tl">
-                    <a:srgbClr val="000000">
-                      <a:alpha val="43137"/>
-                    </a:srgbClr>
-                  </a:outerShdw>
-                </a:effectLst>
-                <a:latin typeface="微軟正黑體" panose="020B0604030504040204" pitchFamily="34" charset="-120"/>
-                <a:ea typeface="微軟正黑體" panose="020B0604030504040204" pitchFamily="34" charset="-120"/>
-                <a:cs typeface="Heiti TC Light"/>
-              </a:rPr>
-              <a:t> Notebook</a:t>
-            </a:r>
-            <a:r>
-              <a:rPr kumimoji="1" lang="zh-TW" altLang="en-US" sz="4000" b="1" dirty="0" smtClean="0">
-                <a:effectLst>
-                  <a:outerShdw blurRad="38100" dist="38100" dir="2700000" algn="tl">
-                    <a:srgbClr val="000000">
-                      <a:alpha val="43137"/>
-                    </a:srgbClr>
-                  </a:outerShdw>
-                </a:effectLst>
-                <a:latin typeface="微軟正黑體" panose="020B0604030504040204" pitchFamily="34" charset="-120"/>
-                <a:ea typeface="微軟正黑體" panose="020B0604030504040204" pitchFamily="34" charset="-120"/>
-                <a:cs typeface="Heiti TC Light"/>
-              </a:rPr>
-              <a:t>還強大</a:t>
+              <a:t>可載入任何腳本</a:t>
             </a:r>
             <a:endParaRPr kumimoji="1" lang="en-US" altLang="zh-TW" sz="4000" b="1" dirty="0" smtClean="0">
               <a:effectLst>
@@ -12952,7 +13013,7 @@
               <a:buChar char="•"/>
             </a:pPr>
             <a:r>
-              <a:rPr kumimoji="1" lang="en-US" altLang="zh-TW" sz="4000" b="1" dirty="0" smtClean="0">
+              <a:rPr kumimoji="1" lang="zh-TW" altLang="en-US" sz="4000" b="1" dirty="0" smtClean="0">
                 <a:effectLst>
                   <a:outerShdw blurRad="38100" dist="38100" dir="2700000" algn="tl">
                     <a:srgbClr val="000000">
@@ -12964,22 +13025,7 @@
                 <a:ea typeface="微軟正黑體" panose="020B0604030504040204" pitchFamily="34" charset="-120"/>
                 <a:cs typeface="Heiti TC Light"/>
               </a:rPr>
-              <a:t>Launcher</a:t>
-            </a:r>
-            <a:r>
-              <a:rPr kumimoji="1" lang="zh-TW" altLang="en-US" sz="4000" b="1" dirty="0" smtClean="0">
-                <a:effectLst>
-                  <a:outerShdw blurRad="38100" dist="38100" dir="2700000" algn="tl">
-                    <a:srgbClr val="000000">
-                      <a:alpha val="43137"/>
-                    </a:srgbClr>
-                  </a:outerShdw>
-                </a:effectLst>
-                <a:latin typeface="微軟正黑體" panose="020B0604030504040204" pitchFamily="34" charset="-120"/>
-                <a:ea typeface="微軟正黑體" panose="020B0604030504040204" pitchFamily="34" charset="-120"/>
-                <a:cs typeface="Heiti TC Light"/>
-              </a:rPr>
-              <a:t>可載入任何腳本</a:t>
+              <a:t>整合檔案瀏覽器</a:t>
             </a:r>
             <a:endParaRPr kumimoji="1" lang="en-US" altLang="zh-TW" sz="4000" b="1" dirty="0" smtClean="0">
               <a:effectLst>
@@ -13012,39 +13058,6 @@
                 <a:ea typeface="微軟正黑體" panose="020B0604030504040204" pitchFamily="34" charset="-120"/>
                 <a:cs typeface="Heiti TC Light"/>
               </a:rPr>
-              <a:t>整合檔案瀏覽器</a:t>
-            </a:r>
-            <a:endParaRPr kumimoji="1" lang="en-US" altLang="zh-TW" sz="4000" b="1" dirty="0" smtClean="0">
-              <a:effectLst>
-                <a:outerShdw blurRad="38100" dist="38100" dir="2700000" algn="tl">
-                  <a:srgbClr val="000000">
-                    <a:alpha val="43137"/>
-                  </a:srgbClr>
-                </a:outerShdw>
-              </a:effectLst>
-              <a:latin typeface="微軟正黑體" panose="020B0604030504040204" pitchFamily="34" charset="-120"/>
-              <a:ea typeface="微軟正黑體" panose="020B0604030504040204" pitchFamily="34" charset="-120"/>
-              <a:cs typeface="Heiti TC Light"/>
-            </a:endParaRPr>
-          </a:p>
-          <a:p>
-            <a:pPr marL="176213" indent="-176213">
-              <a:buFont typeface="Arial" panose="020B0604020202020204" pitchFamily="34" charset="0"/>
-              <a:buChar char="•"/>
-            </a:pPr>
-            <a:r>
-              <a:rPr kumimoji="1" lang="zh-TW" altLang="en-US" sz="4000" b="1" dirty="0" smtClean="0">
-                <a:effectLst>
-                  <a:outerShdw blurRad="38100" dist="38100" dir="2700000" algn="tl">
-                    <a:srgbClr val="000000">
-                      <a:alpha val="43137"/>
-                    </a:srgbClr>
-                  </a:outerShdw>
-                </a:effectLst>
-                <a:latin typeface="微軟正黑體" panose="020B0604030504040204" pitchFamily="34" charset="-120"/>
-                <a:ea typeface="微軟正黑體" panose="020B0604030504040204" pitchFamily="34" charset="-120"/>
-                <a:cs typeface="Heiti TC Light"/>
-              </a:rPr>
               <a:t>強烈建議在此開發</a:t>
             </a:r>
             <a:r>
@@ -13145,24 +13158,7 @@
                 <a:latin typeface="微軟正黑體" panose="020B0604030504040204" pitchFamily="34" charset="-120"/>
                 <a:ea typeface="微軟正黑體" panose="020B0604030504040204" pitchFamily="34" charset="-120"/>
               </a:rPr>
-              <a:t> </a:t>
-            </a:r>
-            <a:r>
-              <a:rPr lang="en-US" altLang="zh-TW" sz="4800" b="1" dirty="0" smtClean="0">
-                <a:solidFill>
-                  <a:srgbClr val="00B0F0"/>
-                </a:solidFill>
-                <a:effectLst>
-                  <a:outerShdw blurRad="38100" dist="38100" dir="2700000" algn="tl">
-                    <a:srgbClr val="000000">
-                      <a:alpha val="43137"/>
-                    </a:srgbClr>
-                  </a:outerShdw>
-                </a:effectLst>
-                <a:latin typeface="微軟正黑體" panose="020B0604030504040204" pitchFamily="34" charset="-120"/>
-                <a:ea typeface="微軟正黑體" panose="020B0604030504040204" pitchFamily="34" charset="-120"/>
-              </a:rPr>
-              <a:t>Lab</a:t>
+              <a:t> Lab</a:t>
             </a:r>
             <a:endParaRPr lang="zh-TW" altLang="en-US" sz="4800" b="1" dirty="0">
               <a:solidFill>
@@ -13184,7 +13180,7 @@
     </p:spTree>
     <p:extLst>
       <p:ext uri="{BB962C8B-B14F-4D97-AF65-F5344CB8AC3E}">
-        <p14:creationId xmlns:p14="http://schemas.microsoft.com/office/powerpoint/2010/main" xmlns="" val="522405798"/>
+        <p14:creationId xmlns="" xmlns:p14="http://schemas.microsoft.com/office/powerpoint/2010/main" val="522405798"/>
       </p:ext>
     </p:extLst>
   </p:cSld>
@@ -13249,7 +13245,7 @@
     </p:spTree>
     <p:extLst>
       <p:ext uri="{BB962C8B-B14F-4D97-AF65-F5344CB8AC3E}">
-        <p14:creationId xmlns:p14="http://schemas.microsoft.com/office/powerpoint/2010/main" xmlns="" val="522405798"/>
+        <p14:creationId xmlns="" xmlns:p14="http://schemas.microsoft.com/office/powerpoint/2010/main" val="522405798"/>
       </p:ext>
     </p:extLst>
   </p:cSld>
@@ -13354,7 +13350,7 @@
     </p:spTree>
     <p:extLst>
       <p:ext uri="{BB962C8B-B14F-4D97-AF65-F5344CB8AC3E}">
-        <p14:creationId xmlns:p14="http://schemas.microsoft.com/office/powerpoint/2010/main" xmlns="" val="3907764274"/>
+        <p14:creationId xmlns="" xmlns:p14="http://schemas.microsoft.com/office/powerpoint/2010/main" val="3907764274"/>
       </p:ext>
     </p:extLst>
   </p:cSld>
@@ -13419,7 +13415,7 @@
     </p:spTree>
     <p:extLst>
       <p:ext uri="{BB962C8B-B14F-4D97-AF65-F5344CB8AC3E}">
-        <p14:creationId xmlns:p14="http://schemas.microsoft.com/office/powerpoint/2010/main" xmlns="" val="522405798"/>
+        <p14:creationId xmlns="" xmlns:p14="http://schemas.microsoft.com/office/powerpoint/2010/main" val="522405798"/>
       </p:ext>
     </p:extLst>
   </p:cSld>
@@ -13484,7 +13480,7 @@
     </p:spTree>
     <p:extLst>
       <p:ext uri="{BB962C8B-B14F-4D97-AF65-F5344CB8AC3E}">
-        <p14:creationId xmlns:p14="http://schemas.microsoft.com/office/powerpoint/2010/main" xmlns="" val="522405798"/>
+        <p14:creationId xmlns="" xmlns:p14="http://schemas.microsoft.com/office/powerpoint/2010/main" val="522405798"/>
       </p:ext>
     </p:extLst>
   </p:cSld>
@@ -13717,7 +13713,7 @@
     </p:spTree>
     <p:extLst>
       <p:ext uri="{BB962C8B-B14F-4D97-AF65-F5344CB8AC3E}">
-        <p14:creationId xmlns:p14="http://schemas.microsoft.com/office/powerpoint/2010/main" xmlns="" val="3907764274"/>
+        <p14:creationId xmlns="" xmlns:p14="http://schemas.microsoft.com/office/powerpoint/2010/main" val="3907764274"/>
       </p:ext>
     </p:extLst>
   </p:cSld>
@@ -13833,6 +13829,57 @@
               </a:rPr>
               <a:t> Notebook</a:t>
             </a:r>
+          </a:p>
+          <a:p>
+            <a:pPr marL="176213" indent="-176213">
+              <a:buFont typeface="Arial" panose="020B0604020202020204" pitchFamily="34" charset="0"/>
+              <a:buChar char="•"/>
+            </a:pPr>
+            <a:r>
+              <a:rPr kumimoji="1" lang="zh-TW" altLang="en-US" sz="4000" b="1" dirty="0" smtClean="0">
+                <a:effectLst>
+                  <a:outerShdw blurRad="38100" dist="38100" dir="2700000" algn="tl">
+                    <a:srgbClr val="000000">
+                      <a:alpha val="43137"/>
+                    </a:srgbClr>
+                  </a:outerShdw>
+                </a:effectLst>
+                <a:latin typeface="微軟正黑體" panose="020B0604030504040204" pitchFamily="34" charset="-120"/>
+                <a:ea typeface="微軟正黑體" panose="020B0604030504040204" pitchFamily="34" charset="-120"/>
+                <a:cs typeface="Heiti TC Light"/>
+              </a:rPr>
+              <a:t>有</a:t>
+            </a:r>
+            <a:r>
+              <a:rPr kumimoji="1" lang="en-US" altLang="zh-TW" sz="4000" b="1" dirty="0" err="1" smtClean="0">
+                <a:effectLst>
+                  <a:outerShdw blurRad="38100" dist="38100" dir="2700000" algn="tl">
+                    <a:srgbClr val="000000">
+                      <a:alpha val="43137"/>
+                    </a:srgbClr>
+                  </a:outerShdw>
+                </a:effectLst>
+                <a:latin typeface="微軟正黑體" panose="020B0604030504040204" pitchFamily="34" charset="-120"/>
+                <a:ea typeface="微軟正黑體" panose="020B0604030504040204" pitchFamily="34" charset="-120"/>
+                <a:cs typeface="Heiti TC Light"/>
+              </a:rPr>
+              <a:t>gmail</a:t>
+            </a:r>
+            <a:r>
+              <a:rPr kumimoji="1" lang="zh-TW" altLang="en-US" sz="4000" b="1" dirty="0" smtClean="0">
+                <a:effectLst>
+                  <a:outerShdw blurRad="38100" dist="38100" dir="2700000" algn="tl">
+                    <a:srgbClr val="000000">
+                      <a:alpha val="43137"/>
+                    </a:srgbClr>
+                  </a:outerShdw>
+                </a:effectLst>
+                <a:latin typeface="微軟正黑體" panose="020B0604030504040204" pitchFamily="34" charset="-120"/>
+                <a:ea typeface="微軟正黑體" panose="020B0604030504040204" pitchFamily="34" charset="-120"/>
+                <a:cs typeface="Heiti TC Light"/>
+              </a:rPr>
+              <a:t>帳號即可用</a:t>
+            </a:r>
             <a:endParaRPr kumimoji="1" lang="en-US" altLang="zh-TW" sz="4000" b="1" dirty="0" smtClean="0">
               <a:effectLst>
                 <a:outerShdw blurRad="38100" dist="38100" dir="2700000" algn="tl">
@@ -13864,10 +13911,10 @@
                 <a:ea typeface="微軟正黑體" panose="020B0604030504040204" pitchFamily="34" charset="-120"/>
                 <a:cs typeface="Heiti TC Light"/>
               </a:rPr>
-              <a:t>有</a:t>
-            </a:r>
-            <a:r>
-              <a:rPr kumimoji="1" lang="en-US" altLang="zh-TW" sz="4000" b="1" dirty="0" err="1" smtClean="0">
+              <a:t>可使用</a:t>
+            </a:r>
+            <a:r>
+              <a:rPr kumimoji="1" lang="en-US" altLang="zh-TW" sz="4000" b="1" dirty="0" smtClean="0">
                 <a:effectLst>
                   <a:outerShdw blurRad="38100" dist="38100" dir="2700000" algn="tl">
                     <a:srgbClr val="000000">
@@ -13879,8 +13926,14 @@
                 <a:ea typeface="微軟正黑體" panose="020B0604030504040204" pitchFamily="34" charset="-120"/>
                 <a:cs typeface="Heiti TC Light"/>
               </a:rPr>
-              <a:t>gmail</a:t>
-            </a:r>
+              <a:t>GPU/TPU</a:t>
+            </a:r>
+          </a:p>
+          <a:p>
+            <a:pPr marL="176213" indent="-176213">
+              <a:buFont typeface="Arial" panose="020B0604020202020204" pitchFamily="34" charset="0"/>
+              <a:buChar char="•"/>
+            </a:pPr>
             <a:r>
               <a:rPr kumimoji="1" lang="zh-TW" altLang="en-US" sz="4000" b="1" dirty="0" smtClean="0">
                 <a:effectLst>
@@ -13894,7 +13947,7 @@
                 <a:ea typeface="微軟正黑體" panose="020B0604030504040204" pitchFamily="34" charset="-120"/>
                 <a:cs typeface="Heiti TC Light"/>
               </a:rPr>
-              <a:t>帳號即可用</a:t>
+              <a:t>可連接雲端硬碟</a:t>
             </a:r>
             <a:endParaRPr kumimoji="1" lang="en-US" altLang="zh-TW" sz="4000" b="1" dirty="0" smtClean="0">
               <a:effectLst>
@@ -13927,7 +13980,7 @@
                 <a:ea typeface="微軟正黑體" panose="020B0604030504040204" pitchFamily="34" charset="-120"/>
                 <a:cs typeface="Heiti TC Light"/>
               </a:rPr>
-              <a:t>可使用</a:t>
+              <a:t>可連接</a:t>
             </a:r>
             <a:r>
               <a:rPr kumimoji="1" lang="en-US" altLang="zh-TW" sz="4000" b="1" dirty="0" smtClean="0">
@@ -13942,7 +13995,7 @@
                 <a:ea typeface="微軟正黑體" panose="020B0604030504040204" pitchFamily="34" charset="-120"/>
                 <a:cs typeface="Heiti TC Light"/>
               </a:rPr>
-              <a:t>GPU/TPU</a:t>
+              <a:t>GITHUB</a:t>
             </a:r>
           </a:p>
           <a:p>
@@ -13951,7 +14004,7 @@
               <a:buChar char="•"/>
             </a:pPr>
             <a:r>
-              <a:rPr kumimoji="1" lang="zh-TW" altLang="en-US" sz="4000" b="1" dirty="0" smtClean="0">
+              <a:rPr kumimoji="1" lang="en-US" altLang="zh-TW" sz="4000" b="1" dirty="0" smtClean="0">
                 <a:effectLst>
                   <a:outerShdw blurRad="38100" dist="38100" dir="2700000" algn="tl">
                     <a:srgbClr val="000000">
@@ -13963,76 +14016,7 @@
                 <a:ea typeface="微軟正黑體" panose="020B0604030504040204" pitchFamily="34" charset="-120"/>
                 <a:cs typeface="Heiti TC Light"/>
               </a:rPr>
-              <a:t>可連接雲端硬碟</a:t>
-            </a:r>
-            <a:endParaRPr kumimoji="1" lang="en-US" altLang="zh-TW" sz="4000" b="1" dirty="0" smtClean="0">
-              <a:effectLst>
-                <a:outerShdw blurRad="38100" dist="38100" dir="2700000" algn="tl">
-                  <a:srgbClr val="000000">
-                    <a:alpha val="43137"/>
-                  </a:srgbClr>
-                </a:outerShdw>
-              </a:effectLst>
-              <a:latin typeface="微軟正黑體" panose="020B0604030504040204" pitchFamily="34" charset="-120"/>
-              <a:ea typeface="微軟正黑體" panose="020B0604030504040204" pitchFamily="34" charset="-120"/>
-              <a:cs typeface="Heiti TC Light"/>
-            </a:endParaRPr>
-          </a:p>
-          <a:p>
-            <a:pPr marL="176213" indent="-176213">
-              <a:buFont typeface="Arial" panose="020B0604020202020204" pitchFamily="34" charset="0"/>
-              <a:buChar char="•"/>
-            </a:pPr>
-            <a:r>
-              <a:rPr kumimoji="1" lang="zh-TW" altLang="en-US" sz="4000" b="1" dirty="0" smtClean="0">
-                <a:effectLst>
-                  <a:outerShdw blurRad="38100" dist="38100" dir="2700000" algn="tl">
-                    <a:srgbClr val="000000">
-                      <a:alpha val="43137"/>
-                    </a:srgbClr>
-                  </a:outerShdw>
-                </a:effectLst>
-                <a:latin typeface="微軟正黑體" panose="020B0604030504040204" pitchFamily="34" charset="-120"/>
-                <a:ea typeface="微軟正黑體" panose="020B0604030504040204" pitchFamily="34" charset="-120"/>
-                <a:cs typeface="Heiti TC Light"/>
-              </a:rPr>
-              <a:t>可連接</a:t>
-            </a:r>
-            <a:r>
-              <a:rPr kumimoji="1" lang="en-US" altLang="zh-TW" sz="4000" b="1" dirty="0" smtClean="0">
-                <a:effectLst>
-                  <a:outerShdw blurRad="38100" dist="38100" dir="2700000" algn="tl">
-                    <a:srgbClr val="000000">
-                      <a:alpha val="43137"/>
-                    </a:srgbClr>
-                  </a:outerShdw>
-                </a:effectLst>
-                <a:latin typeface="微軟正黑體" panose="020B0604030504040204" pitchFamily="34" charset="-120"/>
-                <a:ea typeface="微軟正黑體" panose="020B0604030504040204" pitchFamily="34" charset="-120"/>
-                <a:cs typeface="Heiti TC Light"/>
-              </a:rPr>
-              <a:t>GITHUB</a:t>
-            </a:r>
-          </a:p>
-          <a:p>
-            <a:pPr marL="176213" indent="-176213">
-              <a:buFont typeface="Arial" panose="020B0604020202020204" pitchFamily="34" charset="0"/>
-              <a:buChar char="•"/>
-            </a:pPr>
-            <a:r>
-              <a:rPr kumimoji="1" lang="en-US" altLang="zh-TW" sz="4000" b="1" dirty="0" smtClean="0">
-                <a:effectLst>
-                  <a:outerShdw blurRad="38100" dist="38100" dir="2700000" algn="tl">
-                    <a:srgbClr val="000000">
-                      <a:alpha val="43137"/>
-                    </a:srgbClr>
-                  </a:outerShdw>
-                </a:effectLst>
-                <a:latin typeface="微軟正黑體" panose="020B0604030504040204" pitchFamily="34" charset="-120"/>
-                <a:ea typeface="微軟正黑體" panose="020B0604030504040204" pitchFamily="34" charset="-120"/>
-                <a:cs typeface="Heiti TC Light"/>
-              </a:rPr>
-              <a:t>50GB</a:t>
+              <a:t>380GB</a:t>
             </a:r>
             <a:r>
               <a:rPr kumimoji="1" lang="zh-TW" altLang="en-US" sz="4000" b="1" dirty="0" smtClean="0">
@@ -14190,7 +14174,7 @@
     </p:spTree>
     <p:extLst>
       <p:ext uri="{BB962C8B-B14F-4D97-AF65-F5344CB8AC3E}">
-        <p14:creationId xmlns:p14="http://schemas.microsoft.com/office/powerpoint/2010/main" xmlns="" val="522405798"/>
+        <p14:creationId xmlns="" xmlns:p14="http://schemas.microsoft.com/office/powerpoint/2010/main" val="522405798"/>
       </p:ext>
     </p:extLst>
   </p:cSld>
@@ -14204,6 +14188,397 @@
 </file>
 
 <file path=ppt/slides/slide25.xml><?xml version="1.0" encoding="utf-8"?>
+<p:sld xmlns:a="http://schemas.openxmlformats.org/drawingml/2006/main" xmlns:r="http://schemas.openxmlformats.org/officeDocument/2006/relationships" xmlns:p="http://schemas.openxmlformats.org/presentationml/2006/main">
+  <p:cSld>
+    <p:spTree>
+      <p:nvGrpSpPr>
+        <p:cNvPr id="1" name=""/>
+        <p:cNvGrpSpPr/>
+        <p:nvPr/>
+      </p:nvGrpSpPr>
+      <p:grpSpPr>
+        <a:xfrm>
+          <a:off x="0" y="0"/>
+          <a:ext cx="0" cy="0"/>
+          <a:chOff x="0" y="0"/>
+          <a:chExt cx="0" cy="0"/>
+        </a:xfrm>
+      </p:grpSpPr>
+      <p:sp>
+        <p:nvSpPr>
+          <p:cNvPr id="5" name="文字方塊 4"/>
+          <p:cNvSpPr txBox="1"/>
+          <p:nvPr/>
+        </p:nvSpPr>
+        <p:spPr>
+          <a:xfrm>
+            <a:off x="685800" y="1676400"/>
+            <a:ext cx="8077200" cy="3785652"/>
+          </a:xfrm>
+          <a:prstGeom prst="rect">
+            <a:avLst/>
+          </a:prstGeom>
+          <a:noFill/>
+        </p:spPr>
+        <p:txBody>
+          <a:bodyPr wrap="square" rtlCol="0">
+            <a:spAutoFit/>
+          </a:bodyPr>
+          <a:lstStyle/>
+          <a:p>
+            <a:pPr marL="176213" indent="-176213">
+              <a:buFont typeface="Arial" panose="020B0604020202020204" pitchFamily="34" charset="0"/>
+              <a:buChar char="•"/>
+            </a:pPr>
+            <a:r>
+              <a:rPr kumimoji="1" lang="zh-TW" altLang="en-US" sz="4000" b="1" dirty="0" smtClean="0">
+                <a:effectLst>
+                  <a:outerShdw blurRad="38100" dist="38100" dir="2700000" algn="tl">
+                    <a:srgbClr val="000000">
+                      <a:alpha val="43137"/>
+                    </a:srgbClr>
+                  </a:outerShdw>
+                </a:effectLst>
+                <a:latin typeface="微軟正黑體" panose="020B0604030504040204" pitchFamily="34" charset="-120"/>
+                <a:ea typeface="微軟正黑體" panose="020B0604030504040204" pitchFamily="34" charset="-120"/>
+                <a:cs typeface="Heiti TC Light"/>
+              </a:rPr>
+              <a:t>程式執行完即殺掉檔案</a:t>
+            </a:r>
+            <a:endParaRPr kumimoji="1" lang="en-US" altLang="zh-TW" sz="4000" b="1" dirty="0" smtClean="0">
+              <a:effectLst>
+                <a:outerShdw blurRad="38100" dist="38100" dir="2700000" algn="tl">
+                  <a:srgbClr val="000000">
+                    <a:alpha val="43137"/>
+                  </a:srgbClr>
+                </a:outerShdw>
+              </a:effectLst>
+              <a:latin typeface="微軟正黑體" panose="020B0604030504040204" pitchFamily="34" charset="-120"/>
+              <a:ea typeface="微軟正黑體" panose="020B0604030504040204" pitchFamily="34" charset="-120"/>
+              <a:cs typeface="Heiti TC Light"/>
+            </a:endParaRPr>
+          </a:p>
+          <a:p>
+            <a:pPr marL="176213" indent="-176213">
+              <a:buFont typeface="Arial" panose="020B0604020202020204" pitchFamily="34" charset="0"/>
+              <a:buChar char="•"/>
+            </a:pPr>
+            <a:r>
+              <a:rPr kumimoji="1" lang="zh-TW" altLang="en-US" sz="4000" b="1" dirty="0" smtClean="0">
+                <a:effectLst>
+                  <a:outerShdw blurRad="38100" dist="38100" dir="2700000" algn="tl">
+                    <a:srgbClr val="000000">
+                      <a:alpha val="43137"/>
+                    </a:srgbClr>
+                  </a:outerShdw>
+                </a:effectLst>
+                <a:latin typeface="微軟正黑體" panose="020B0604030504040204" pitchFamily="34" charset="-120"/>
+                <a:ea typeface="微軟正黑體" panose="020B0604030504040204" pitchFamily="34" charset="-120"/>
+                <a:cs typeface="Heiti TC Light"/>
+              </a:rPr>
+              <a:t>上傳速度極慢</a:t>
+            </a:r>
+            <a:endParaRPr kumimoji="1" lang="en-US" altLang="zh-TW" sz="4000" b="1" dirty="0" smtClean="0">
+              <a:effectLst>
+                <a:outerShdw blurRad="38100" dist="38100" dir="2700000" algn="tl">
+                  <a:srgbClr val="000000">
+                    <a:alpha val="43137"/>
+                  </a:srgbClr>
+                </a:outerShdw>
+              </a:effectLst>
+              <a:latin typeface="微軟正黑體" panose="020B0604030504040204" pitchFamily="34" charset="-120"/>
+              <a:ea typeface="微軟正黑體" panose="020B0604030504040204" pitchFamily="34" charset="-120"/>
+              <a:cs typeface="Heiti TC Light"/>
+            </a:endParaRPr>
+          </a:p>
+          <a:p>
+            <a:pPr marL="176213" indent="-176213">
+              <a:buFont typeface="Arial" panose="020B0604020202020204" pitchFamily="34" charset="0"/>
+              <a:buChar char="•"/>
+            </a:pPr>
+            <a:r>
+              <a:rPr kumimoji="1" lang="zh-TW" altLang="en-US" sz="4000" b="1" dirty="0" smtClean="0">
+                <a:effectLst>
+                  <a:outerShdw blurRad="38100" dist="38100" dir="2700000" algn="tl">
+                    <a:srgbClr val="000000">
+                      <a:alpha val="43137"/>
+                    </a:srgbClr>
+                  </a:outerShdw>
+                </a:effectLst>
+                <a:latin typeface="微軟正黑體" panose="020B0604030504040204" pitchFamily="34" charset="-120"/>
+                <a:ea typeface="微軟正黑體" panose="020B0604030504040204" pitchFamily="34" charset="-120"/>
+                <a:cs typeface="Heiti TC Light"/>
+              </a:rPr>
+              <a:t>執行速度較慢</a:t>
+            </a:r>
+            <a:endParaRPr kumimoji="1" lang="en-US" altLang="zh-TW" sz="4000" b="1" dirty="0" smtClean="0">
+              <a:effectLst>
+                <a:outerShdw blurRad="38100" dist="38100" dir="2700000" algn="tl">
+                  <a:srgbClr val="000000">
+                    <a:alpha val="43137"/>
+                  </a:srgbClr>
+                </a:outerShdw>
+              </a:effectLst>
+              <a:latin typeface="微軟正黑體" panose="020B0604030504040204" pitchFamily="34" charset="-120"/>
+              <a:ea typeface="微軟正黑體" panose="020B0604030504040204" pitchFamily="34" charset="-120"/>
+              <a:cs typeface="Heiti TC Light"/>
+            </a:endParaRPr>
+          </a:p>
+          <a:p>
+            <a:pPr marL="176213" indent="-176213">
+              <a:buFont typeface="Arial" panose="020B0604020202020204" pitchFamily="34" charset="0"/>
+              <a:buChar char="•"/>
+            </a:pPr>
+            <a:r>
+              <a:rPr kumimoji="1" lang="zh-TW" altLang="en-US" sz="4000" b="1" dirty="0" smtClean="0">
+                <a:effectLst>
+                  <a:outerShdw blurRad="38100" dist="38100" dir="2700000" algn="tl">
+                    <a:srgbClr val="000000">
+                      <a:alpha val="43137"/>
+                    </a:srgbClr>
+                  </a:outerShdw>
+                </a:effectLst>
+                <a:latin typeface="微軟正黑體" panose="020B0604030504040204" pitchFamily="34" charset="-120"/>
+                <a:ea typeface="微軟正黑體" panose="020B0604030504040204" pitchFamily="34" charset="-120"/>
+                <a:cs typeface="Heiti TC Light"/>
+              </a:rPr>
+              <a:t>只有簡體中文</a:t>
+            </a:r>
+            <a:endParaRPr kumimoji="1" lang="en-US" altLang="zh-TW" sz="4000" b="1" dirty="0" smtClean="0">
+              <a:effectLst>
+                <a:outerShdw blurRad="38100" dist="38100" dir="2700000" algn="tl">
+                  <a:srgbClr val="000000">
+                    <a:alpha val="43137"/>
+                  </a:srgbClr>
+                </a:outerShdw>
+              </a:effectLst>
+              <a:latin typeface="微軟正黑體" panose="020B0604030504040204" pitchFamily="34" charset="-120"/>
+              <a:ea typeface="微軟正黑體" panose="020B0604030504040204" pitchFamily="34" charset="-120"/>
+              <a:cs typeface="Heiti TC Light"/>
+            </a:endParaRPr>
+          </a:p>
+          <a:p>
+            <a:pPr marL="176213" indent="-176213">
+              <a:buFont typeface="Arial" panose="020B0604020202020204" pitchFamily="34" charset="0"/>
+              <a:buChar char="•"/>
+            </a:pPr>
+            <a:r>
+              <a:rPr kumimoji="1" lang="zh-TW" altLang="en-US" sz="4000" b="1" dirty="0" smtClean="0">
+                <a:effectLst>
+                  <a:outerShdw blurRad="38100" dist="38100" dir="2700000" algn="tl">
+                    <a:srgbClr val="000000">
+                      <a:alpha val="43137"/>
+                    </a:srgbClr>
+                  </a:outerShdw>
+                </a:effectLst>
+                <a:latin typeface="微軟正黑體" panose="020B0604030504040204" pitchFamily="34" charset="-120"/>
+                <a:ea typeface="微軟正黑體" panose="020B0604030504040204" pitchFamily="34" charset="-120"/>
+                <a:cs typeface="Heiti TC Light"/>
+              </a:rPr>
+              <a:t>無法開啟整個</a:t>
+            </a:r>
+            <a:r>
+              <a:rPr kumimoji="1" lang="en-US" altLang="zh-TW" sz="4000" b="1" dirty="0" smtClean="0">
+                <a:effectLst>
+                  <a:outerShdw blurRad="38100" dist="38100" dir="2700000" algn="tl">
+                    <a:srgbClr val="000000">
+                      <a:alpha val="43137"/>
+                    </a:srgbClr>
+                  </a:outerShdw>
+                </a:effectLst>
+                <a:latin typeface="微軟正黑體" panose="020B0604030504040204" pitchFamily="34" charset="-120"/>
+                <a:ea typeface="微軟正黑體" panose="020B0604030504040204" pitchFamily="34" charset="-120"/>
+                <a:cs typeface="Heiti TC Light"/>
+              </a:rPr>
+              <a:t>GITHUB REPO</a:t>
+            </a:r>
+          </a:p>
+          <a:p>
+            <a:pPr marL="176213" indent="-176213">
+              <a:buFont typeface="Arial" panose="020B0604020202020204" pitchFamily="34" charset="0"/>
+              <a:buChar char="•"/>
+            </a:pPr>
+            <a:r>
+              <a:rPr kumimoji="1" lang="zh-TW" altLang="en-US" sz="4000" b="1" dirty="0" smtClean="0">
+                <a:effectLst>
+                  <a:outerShdw blurRad="38100" dist="38100" dir="2700000" algn="tl">
+                    <a:srgbClr val="000000">
+                      <a:alpha val="43137"/>
+                    </a:srgbClr>
+                  </a:outerShdw>
+                </a:effectLst>
+                <a:latin typeface="微軟正黑體" panose="020B0604030504040204" pitchFamily="34" charset="-120"/>
+                <a:ea typeface="微軟正黑體" panose="020B0604030504040204" pitchFamily="34" charset="-120"/>
+                <a:cs typeface="Heiti TC Light"/>
+              </a:rPr>
+              <a:t>無</a:t>
+            </a:r>
+            <a:r>
+              <a:rPr kumimoji="1" lang="en-US" altLang="zh-TW" sz="4000" b="1" dirty="0" smtClean="0">
+                <a:effectLst>
+                  <a:outerShdw blurRad="38100" dist="38100" dir="2700000" algn="tl">
+                    <a:srgbClr val="000000">
+                      <a:alpha val="43137"/>
+                    </a:srgbClr>
+                  </a:outerShdw>
+                </a:effectLst>
+                <a:latin typeface="微軟正黑體" panose="020B0604030504040204" pitchFamily="34" charset="-120"/>
+                <a:ea typeface="微軟正黑體" panose="020B0604030504040204" pitchFamily="34" charset="-120"/>
+                <a:cs typeface="Heiti TC Light"/>
+              </a:rPr>
+              <a:t>TAB</a:t>
+            </a:r>
+            <a:r>
+              <a:rPr kumimoji="1" lang="zh-TW" altLang="en-US" sz="4000" b="1" dirty="0" smtClean="0">
+                <a:effectLst>
+                  <a:outerShdw blurRad="38100" dist="38100" dir="2700000" algn="tl">
+                    <a:srgbClr val="000000">
+                      <a:alpha val="43137"/>
+                    </a:srgbClr>
+                  </a:outerShdw>
+                </a:effectLst>
+                <a:latin typeface="微軟正黑體" panose="020B0604030504040204" pitchFamily="34" charset="-120"/>
+                <a:ea typeface="微軟正黑體" panose="020B0604030504040204" pitchFamily="34" charset="-120"/>
+                <a:cs typeface="Heiti TC Light"/>
+              </a:rPr>
+              <a:t>方式開啟</a:t>
+            </a:r>
+            <a:r>
+              <a:rPr kumimoji="1" lang="en-US" altLang="zh-TW" sz="4000" b="1" dirty="0" smtClean="0">
+                <a:effectLst>
+                  <a:outerShdw blurRad="38100" dist="38100" dir="2700000" algn="tl">
+                    <a:srgbClr val="000000">
+                      <a:alpha val="43137"/>
+                    </a:srgbClr>
+                  </a:outerShdw>
+                </a:effectLst>
+                <a:latin typeface="微軟正黑體" panose="020B0604030504040204" pitchFamily="34" charset="-120"/>
+                <a:ea typeface="微軟正黑體" panose="020B0604030504040204" pitchFamily="34" charset="-120"/>
+                <a:cs typeface="Heiti TC Light"/>
+              </a:rPr>
+              <a:t>NOTEBOOK</a:t>
+            </a:r>
+            <a:endParaRPr kumimoji="1" lang="en-US" altLang="zh-TW" sz="4000" b="1" dirty="0" smtClean="0">
+              <a:effectLst>
+                <a:outerShdw blurRad="38100" dist="38100" dir="2700000" algn="tl">
+                  <a:srgbClr val="000000">
+                    <a:alpha val="43137"/>
+                  </a:srgbClr>
+                </a:outerShdw>
+              </a:effectLst>
+              <a:latin typeface="微軟正黑體" panose="020B0604030504040204" pitchFamily="34" charset="-120"/>
+              <a:ea typeface="微軟正黑體" panose="020B0604030504040204" pitchFamily="34" charset="-120"/>
+              <a:cs typeface="Heiti TC Light"/>
+            </a:endParaRPr>
+          </a:p>
+        </p:txBody>
+      </p:sp>
+      <p:sp>
+        <p:nvSpPr>
+          <p:cNvPr id="6" name="文字版面配置區 2"/>
+          <p:cNvSpPr>
+            <a:spLocks noGrp="1"/>
+          </p:cNvSpPr>
+          <p:nvPr>
+            <p:ph type="body" sz="quarter" idx="11"/>
+          </p:nvPr>
+        </p:nvSpPr>
+        <p:spPr>
+          <a:xfrm>
+            <a:off x="1981200" y="304800"/>
+            <a:ext cx="5562600" cy="990600"/>
+          </a:xfrm>
+        </p:spPr>
+        <p:txBody>
+          <a:bodyPr/>
+          <a:lstStyle/>
+          <a:p>
+            <a:pPr algn="just"/>
+            <a:r>
+              <a:rPr lang="en-US" altLang="zh-TW" sz="4800" b="1" dirty="0" smtClean="0">
+                <a:solidFill>
+                  <a:srgbClr val="00B0F0"/>
+                </a:solidFill>
+                <a:effectLst>
+                  <a:outerShdw blurRad="38100" dist="38100" dir="2700000" algn="tl">
+                    <a:srgbClr val="000000">
+                      <a:alpha val="43137"/>
+                    </a:srgbClr>
+                  </a:outerShdw>
+                </a:effectLst>
+                <a:latin typeface="微軟正黑體" panose="020B0604030504040204" pitchFamily="34" charset="-120"/>
+                <a:ea typeface="微軟正黑體" panose="020B0604030504040204" pitchFamily="34" charset="-120"/>
+              </a:rPr>
+              <a:t>Google </a:t>
+            </a:r>
+            <a:r>
+              <a:rPr lang="en-US" altLang="zh-TW" sz="4800" b="1" dirty="0" err="1" smtClean="0">
+                <a:solidFill>
+                  <a:srgbClr val="00B0F0"/>
+                </a:solidFill>
+                <a:effectLst>
+                  <a:outerShdw blurRad="38100" dist="38100" dir="2700000" algn="tl">
+                    <a:srgbClr val="000000">
+                      <a:alpha val="43137"/>
+                    </a:srgbClr>
+                  </a:outerShdw>
+                </a:effectLst>
+                <a:latin typeface="微軟正黑體" panose="020B0604030504040204" pitchFamily="34" charset="-120"/>
+                <a:ea typeface="微軟正黑體" panose="020B0604030504040204" pitchFamily="34" charset="-120"/>
+              </a:rPr>
+              <a:t>Colab</a:t>
+            </a:r>
+            <a:r>
+              <a:rPr lang="zh-TW" altLang="en-US" sz="4800" b="1" dirty="0" smtClean="0">
+                <a:solidFill>
+                  <a:srgbClr val="00B0F0"/>
+                </a:solidFill>
+                <a:effectLst>
+                  <a:outerShdw blurRad="38100" dist="38100" dir="2700000" algn="tl">
+                    <a:srgbClr val="000000">
+                      <a:alpha val="43137"/>
+                    </a:srgbClr>
+                  </a:outerShdw>
+                </a:effectLst>
+                <a:latin typeface="微軟正黑體" panose="020B0604030504040204" pitchFamily="34" charset="-120"/>
+                <a:ea typeface="微軟正黑體" panose="020B0604030504040204" pitchFamily="34" charset="-120"/>
+              </a:rPr>
+              <a:t>缺點</a:t>
+            </a:r>
+            <a:endParaRPr lang="zh-TW" altLang="en-US" sz="4800" b="1" dirty="0">
+              <a:solidFill>
+                <a:srgbClr val="00B0F0"/>
+              </a:solidFill>
+              <a:effectLst>
+                <a:outerShdw blurRad="38100" dist="38100" dir="2700000" algn="tl">
+                  <a:srgbClr val="000000">
+                    <a:alpha val="43137"/>
+                  </a:srgbClr>
+                </a:outerShdw>
+              </a:effectLst>
+              <a:latin typeface="微軟正黑體" panose="020B0604030504040204" pitchFamily="34" charset="-120"/>
+              <a:ea typeface="微軟正黑體" panose="020B0604030504040204" pitchFamily="34" charset="-120"/>
+            </a:endParaRPr>
+          </a:p>
+        </p:txBody>
+      </p:sp>
+    </p:spTree>
+    <p:extLst>
+      <p:ext uri="{BB962C8B-B14F-4D97-AF65-F5344CB8AC3E}">
+        <p14:creationId xmlns="" xmlns:p14="http://schemas.microsoft.com/office/powerpoint/2010/main" val="522405798"/>
+      </p:ext>
+    </p:extLst>
+  </p:cSld>
+  <p:clrMapOvr>
+    <a:masterClrMapping/>
+  </p:clrMapOvr>
+  <p:transition>
+    <p:fade/>
+  </p:transition>
+</p:sld>
+</file>
+
+<file path=ppt/slides/slide26.xml><?xml version="1.0" encoding="utf-8"?>
 <p:sld xmlns:a="http://schemas.openxmlformats.org/drawingml/2006/main" xmlns:r="http://schemas.openxmlformats.org/officeDocument/2006/relationships" xmlns:p="http://schemas.openxmlformats.org/presentationml/2006/main">
   <p:cSld>
     <p:spTree>
@@ -14643,7 +15018,7 @@
     </p:spTree>
     <p:extLst>
       <p:ext uri="{BB962C8B-B14F-4D97-AF65-F5344CB8AC3E}">
-        <p14:creationId xmlns:p14="http://schemas.microsoft.com/office/powerpoint/2010/main" xmlns="" val="522405798"/>
+        <p14:creationId xmlns="" xmlns:p14="http://schemas.microsoft.com/office/powerpoint/2010/main" val="522405798"/>
       </p:ext>
     </p:extLst>
   </p:cSld>
@@ -15054,7 +15429,7 @@
     </p:spTree>
     <p:extLst>
       <p:ext uri="{BB962C8B-B14F-4D97-AF65-F5344CB8AC3E}">
-        <p14:creationId xmlns:p14="http://schemas.microsoft.com/office/powerpoint/2010/main" xmlns="" val="522405798"/>
+        <p14:creationId xmlns="" xmlns:p14="http://schemas.microsoft.com/office/powerpoint/2010/main" val="522405798"/>
       </p:ext>
     </p:extLst>
   </p:cSld>
@@ -15362,7 +15737,7 @@
     </p:spTree>
     <p:extLst>
       <p:ext uri="{BB962C8B-B14F-4D97-AF65-F5344CB8AC3E}">
-        <p14:creationId xmlns:p14="http://schemas.microsoft.com/office/powerpoint/2010/main" xmlns="" val="522405798"/>
+        <p14:creationId xmlns="" xmlns:p14="http://schemas.microsoft.com/office/powerpoint/2010/main" val="522405798"/>
       </p:ext>
     </p:extLst>
   </p:cSld>
@@ -15464,22 +15839,7 @@
                 <a:ea typeface="微軟正黑體" panose="020B0604030504040204" pitchFamily="34" charset="-120"/>
                 <a:cs typeface="Heiti TC Light"/>
               </a:rPr>
-              <a:t>有沒有整合的開發</a:t>
-            </a:r>
-            <a:r>
-              <a:rPr kumimoji="1" lang="zh-TW" altLang="en-US" sz="4000" b="1" dirty="0" smtClean="0">
-                <a:effectLst>
-                  <a:outerShdw blurRad="38100" dist="38100" dir="2700000" algn="tl">
-                    <a:srgbClr val="000000">
-                      <a:alpha val="43137"/>
-                    </a:srgbClr>
-                  </a:outerShdw>
-                </a:effectLst>
-                <a:latin typeface="微軟正黑體" panose="020B0604030504040204" pitchFamily="34" charset="-120"/>
-                <a:ea typeface="微軟正黑體" panose="020B0604030504040204" pitchFamily="34" charset="-120"/>
-                <a:cs typeface="Heiti TC Light"/>
-              </a:rPr>
-              <a:t>環境</a:t>
+              <a:t>有沒有整合的開發環境</a:t>
             </a:r>
             <a:r>
               <a:rPr kumimoji="1" lang="en-US" altLang="zh-TW" sz="4000" b="1" dirty="0" smtClean="0">
@@ -15542,22 +15902,7 @@
                 <a:ea typeface="微軟正黑體" panose="020B0604030504040204" pitchFamily="34" charset="-120"/>
                 <a:cs typeface="Heiti TC Light"/>
               </a:rPr>
-              <a:t>版本怎麼</a:t>
-            </a:r>
-            <a:r>
-              <a:rPr kumimoji="1" lang="zh-TW" altLang="en-US" sz="4000" b="1" dirty="0" smtClean="0">
-                <a:effectLst>
-                  <a:outerShdw blurRad="38100" dist="38100" dir="2700000" algn="tl">
-                    <a:srgbClr val="000000">
-                      <a:alpha val="43137"/>
-                    </a:srgbClr>
-                  </a:outerShdw>
-                </a:effectLst>
-                <a:latin typeface="微軟正黑體" panose="020B0604030504040204" pitchFamily="34" charset="-120"/>
-                <a:ea typeface="微軟正黑體" panose="020B0604030504040204" pitchFamily="34" charset="-120"/>
-                <a:cs typeface="Heiti TC Light"/>
-              </a:rPr>
-              <a:t>選擇</a:t>
+              <a:t>版本怎麼選擇</a:t>
             </a:r>
             <a:r>
               <a:rPr kumimoji="1" lang="en-US" altLang="zh-TW" sz="4000" b="1" dirty="0" smtClean="0">
@@ -15843,7 +16188,7 @@
     </p:spTree>
     <p:extLst>
       <p:ext uri="{BB962C8B-B14F-4D97-AF65-F5344CB8AC3E}">
-        <p14:creationId xmlns:p14="http://schemas.microsoft.com/office/powerpoint/2010/main" xmlns="" val="522405798"/>
+        <p14:creationId xmlns="" xmlns:p14="http://schemas.microsoft.com/office/powerpoint/2010/main" val="522405798"/>
       </p:ext>
     </p:extLst>
   </p:cSld>
@@ -16261,7 +16606,7 @@
     </p:spTree>
     <p:extLst>
       <p:ext uri="{BB962C8B-B14F-4D97-AF65-F5344CB8AC3E}">
-        <p14:creationId xmlns:p14="http://schemas.microsoft.com/office/powerpoint/2010/main" xmlns="" val="522405798"/>
+        <p14:creationId xmlns="" xmlns:p14="http://schemas.microsoft.com/office/powerpoint/2010/main" val="522405798"/>
       </p:ext>
     </p:extLst>
   </p:cSld>
@@ -16366,7 +16711,7 @@
     </p:spTree>
     <p:extLst>
       <p:ext uri="{BB962C8B-B14F-4D97-AF65-F5344CB8AC3E}">
-        <p14:creationId xmlns:p14="http://schemas.microsoft.com/office/powerpoint/2010/main" xmlns="" val="3907764274"/>
+        <p14:creationId xmlns="" xmlns:p14="http://schemas.microsoft.com/office/powerpoint/2010/main" val="3907764274"/>
       </p:ext>
     </p:extLst>
   </p:cSld>
@@ -16645,22 +16990,7 @@
                 <a:ea typeface="微軟正黑體" panose="020B0604030504040204" pitchFamily="34" charset="-120"/>
                 <a:cs typeface="Heiti TC Light"/>
               </a:rPr>
-              <a:t>環境包括了版本、安裝哪些</a:t>
-            </a:r>
-            <a:r>
-              <a:rPr kumimoji="1" lang="zh-TW" altLang="en-US" sz="4000" b="1" dirty="0" smtClean="0">
-                <a:effectLst>
-                  <a:outerShdw blurRad="38100" dist="38100" dir="2700000" algn="tl">
-                    <a:srgbClr val="000000">
-                      <a:alpha val="43137"/>
-                    </a:srgbClr>
-                  </a:outerShdw>
-                </a:effectLst>
-                <a:latin typeface="微軟正黑體" panose="020B0604030504040204" pitchFamily="34" charset="-120"/>
-                <a:ea typeface="微軟正黑體" panose="020B0604030504040204" pitchFamily="34" charset="-120"/>
-                <a:cs typeface="Heiti TC Light"/>
-              </a:rPr>
-              <a:t>模組、模組版本等等</a:t>
+              <a:t>環境包括了版本、安裝哪些模組、模組版本等等</a:t>
             </a:r>
             <a:endParaRPr kumimoji="1" lang="en-US" altLang="zh-TW" sz="4000" b="1" dirty="0" smtClean="0">
               <a:effectLst>
@@ -16693,37 +17023,7 @@
                 <a:ea typeface="微軟正黑體" panose="020B0604030504040204" pitchFamily="34" charset="-120"/>
                 <a:cs typeface="Heiti TC Light"/>
               </a:rPr>
-              <a:t>不同</a:t>
-            </a:r>
-            <a:r>
-              <a:rPr kumimoji="1" lang="zh-TW" altLang="en-US" sz="4000" b="1" dirty="0" smtClean="0">
-                <a:effectLst>
-                  <a:outerShdw blurRad="38100" dist="38100" dir="2700000" algn="tl">
-                    <a:srgbClr val="000000">
-                      <a:alpha val="43137"/>
-                    </a:srgbClr>
-                  </a:outerShdw>
-                </a:effectLst>
-                <a:latin typeface="微軟正黑體" panose="020B0604030504040204" pitchFamily="34" charset="-120"/>
-                <a:ea typeface="微軟正黑體" panose="020B0604030504040204" pitchFamily="34" charset="-120"/>
-                <a:cs typeface="Heiti TC Light"/>
-              </a:rPr>
-              <a:t>版本間也可</a:t>
-            </a:r>
-            <a:r>
-              <a:rPr kumimoji="1" lang="zh-TW" altLang="en-US" sz="4000" b="1" dirty="0" smtClean="0">
-                <a:effectLst>
-                  <a:outerShdw blurRad="38100" dist="38100" dir="2700000" algn="tl">
-                    <a:srgbClr val="000000">
-                      <a:alpha val="43137"/>
-                    </a:srgbClr>
-                  </a:outerShdw>
-                </a:effectLst>
-                <a:latin typeface="微軟正黑體" panose="020B0604030504040204" pitchFamily="34" charset="-120"/>
-                <a:ea typeface="微軟正黑體" panose="020B0604030504040204" pitchFamily="34" charset="-120"/>
-                <a:cs typeface="Heiti TC Light"/>
-              </a:rPr>
-              <a:t>安裝共用模組</a:t>
+              <a:t>不同版本間也可安裝共用模組</a:t>
             </a:r>
             <a:endParaRPr kumimoji="1" lang="en-US" altLang="zh-TW" sz="4000" b="1" dirty="0" smtClean="0">
               <a:effectLst>
@@ -16789,22 +17089,7 @@
                 <a:ea typeface="微軟正黑體" panose="020B0604030504040204" pitchFamily="34" charset="-120"/>
                 <a:cs typeface="Heiti TC Light"/>
               </a:rPr>
-              <a:t>有</a:t>
-            </a:r>
-            <a:r>
-              <a:rPr kumimoji="1" lang="zh-TW" altLang="en-US" sz="4000" b="1" dirty="0" smtClean="0">
-                <a:effectLst>
-                  <a:outerShdw blurRad="38100" dist="38100" dir="2700000" algn="tl">
-                    <a:srgbClr val="000000">
-                      <a:alpha val="43137"/>
-                    </a:srgbClr>
-                  </a:outerShdw>
-                </a:effectLst>
-                <a:latin typeface="微軟正黑體" panose="020B0604030504040204" pitchFamily="34" charset="-120"/>
-                <a:ea typeface="微軟正黑體" panose="020B0604030504040204" pitchFamily="34" charset="-120"/>
-                <a:cs typeface="Heiti TC Light"/>
-              </a:rPr>
-              <a:t>支援全圖型的</a:t>
+              <a:t>有支援全圖型的</a:t>
             </a:r>
             <a:r>
               <a:rPr kumimoji="1" lang="en-US" altLang="zh-TW" sz="4000" b="1" dirty="0" err="1" smtClean="0">
@@ -16909,7 +17194,7 @@
     </p:spTree>
     <p:extLst>
       <p:ext uri="{BB962C8B-B14F-4D97-AF65-F5344CB8AC3E}">
-        <p14:creationId xmlns:p14="http://schemas.microsoft.com/office/powerpoint/2010/main" xmlns="" val="522405798"/>
+        <p14:creationId xmlns="" xmlns:p14="http://schemas.microsoft.com/office/powerpoint/2010/main" val="522405798"/>
       </p:ext>
     </p:extLst>
   </p:cSld>
